--- a/- Presentations/Pre-Proposal Presentation.pptx
+++ b/- Presentations/Pre-Proposal Presentation.pptx
@@ -267,7 +267,7 @@
           <a:p>
             <a:fld id="{06640ECE-771D-4547-9814-D6FE39E68BC9}" type="datetimeFigureOut">
               <a:rPr lang="en-GB" smtClean="0"/>
-              <a:t>03/02/2022</a:t>
+              <a:t>04/02/2022</a:t>
             </a:fld>
             <a:endParaRPr lang="en-GB"/>
           </a:p>
@@ -467,7 +467,7 @@
           <a:p>
             <a:fld id="{06640ECE-771D-4547-9814-D6FE39E68BC9}" type="datetimeFigureOut">
               <a:rPr lang="en-GB" smtClean="0"/>
-              <a:t>03/02/2022</a:t>
+              <a:t>04/02/2022</a:t>
             </a:fld>
             <a:endParaRPr lang="en-GB"/>
           </a:p>
@@ -677,7 +677,7 @@
           <a:p>
             <a:fld id="{06640ECE-771D-4547-9814-D6FE39E68BC9}" type="datetimeFigureOut">
               <a:rPr lang="en-GB" smtClean="0"/>
-              <a:t>03/02/2022</a:t>
+              <a:t>04/02/2022</a:t>
             </a:fld>
             <a:endParaRPr lang="en-GB"/>
           </a:p>
@@ -877,7 +877,7 @@
           <a:p>
             <a:fld id="{06640ECE-771D-4547-9814-D6FE39E68BC9}" type="datetimeFigureOut">
               <a:rPr lang="en-GB" smtClean="0"/>
-              <a:t>03/02/2022</a:t>
+              <a:t>04/02/2022</a:t>
             </a:fld>
             <a:endParaRPr lang="en-GB"/>
           </a:p>
@@ -1153,7 +1153,7 @@
           <a:p>
             <a:fld id="{06640ECE-771D-4547-9814-D6FE39E68BC9}" type="datetimeFigureOut">
               <a:rPr lang="en-GB" smtClean="0"/>
-              <a:t>03/02/2022</a:t>
+              <a:t>04/02/2022</a:t>
             </a:fld>
             <a:endParaRPr lang="en-GB"/>
           </a:p>
@@ -1421,7 +1421,7 @@
           <a:p>
             <a:fld id="{06640ECE-771D-4547-9814-D6FE39E68BC9}" type="datetimeFigureOut">
               <a:rPr lang="en-GB" smtClean="0"/>
-              <a:t>03/02/2022</a:t>
+              <a:t>04/02/2022</a:t>
             </a:fld>
             <a:endParaRPr lang="en-GB"/>
           </a:p>
@@ -1836,7 +1836,7 @@
           <a:p>
             <a:fld id="{06640ECE-771D-4547-9814-D6FE39E68BC9}" type="datetimeFigureOut">
               <a:rPr lang="en-GB" smtClean="0"/>
-              <a:t>03/02/2022</a:t>
+              <a:t>04/02/2022</a:t>
             </a:fld>
             <a:endParaRPr lang="en-GB"/>
           </a:p>
@@ -1978,7 +1978,7 @@
           <a:p>
             <a:fld id="{06640ECE-771D-4547-9814-D6FE39E68BC9}" type="datetimeFigureOut">
               <a:rPr lang="en-GB" smtClean="0"/>
-              <a:t>03/02/2022</a:t>
+              <a:t>04/02/2022</a:t>
             </a:fld>
             <a:endParaRPr lang="en-GB"/>
           </a:p>
@@ -2091,7 +2091,7 @@
           <a:p>
             <a:fld id="{06640ECE-771D-4547-9814-D6FE39E68BC9}" type="datetimeFigureOut">
               <a:rPr lang="en-GB" smtClean="0"/>
-              <a:t>03/02/2022</a:t>
+              <a:t>04/02/2022</a:t>
             </a:fld>
             <a:endParaRPr lang="en-GB"/>
           </a:p>
@@ -2404,7 +2404,7 @@
           <a:p>
             <a:fld id="{06640ECE-771D-4547-9814-D6FE39E68BC9}" type="datetimeFigureOut">
               <a:rPr lang="en-GB" smtClean="0"/>
-              <a:t>03/02/2022</a:t>
+              <a:t>04/02/2022</a:t>
             </a:fld>
             <a:endParaRPr lang="en-GB"/>
           </a:p>
@@ -2693,7 +2693,7 @@
           <a:p>
             <a:fld id="{06640ECE-771D-4547-9814-D6FE39E68BC9}" type="datetimeFigureOut">
               <a:rPr lang="en-GB" smtClean="0"/>
-              <a:t>03/02/2022</a:t>
+              <a:t>04/02/2022</a:t>
             </a:fld>
             <a:endParaRPr lang="en-GB"/>
           </a:p>
@@ -2936,7 +2936,7 @@
           <a:p>
             <a:fld id="{06640ECE-771D-4547-9814-D6FE39E68BC9}" type="datetimeFigureOut">
               <a:rPr lang="en-GB" smtClean="0"/>
-              <a:t>03/02/2022</a:t>
+              <a:t>04/02/2022</a:t>
             </a:fld>
             <a:endParaRPr lang="en-GB"/>
           </a:p>
@@ -3575,7 +3575,7 @@
         <p:spPr>
           <a:xfrm>
             <a:off x="709046" y="1278883"/>
-            <a:ext cx="7109074" cy="3785652"/>
+            <a:ext cx="7109074" cy="4524315"/>
           </a:xfrm>
           <a:prstGeom prst="rect">
             <a:avLst/>
@@ -3589,7 +3589,7 @@
           <a:lstStyle/>
           <a:p>
             <a:r>
-              <a:rPr lang="en-GB" sz="2000" dirty="0">
+              <a:rPr lang="en-GB" sz="2400" dirty="0">
                 <a:solidFill>
                   <a:schemeClr val="bg1"/>
                 </a:solidFill>
@@ -3599,7 +3599,7 @@
             </a:r>
           </a:p>
           <a:p>
-            <a:endParaRPr lang="en-GB" sz="2000" dirty="0">
+            <a:endParaRPr lang="en-GB" sz="2400" dirty="0">
               <a:solidFill>
                 <a:schemeClr val="bg1"/>
               </a:solidFill>
@@ -3608,7 +3608,7 @@
           </a:p>
           <a:p>
             <a:r>
-              <a:rPr lang="en-GB" sz="2000" dirty="0">
+              <a:rPr lang="en-GB" sz="2400" dirty="0">
                 <a:solidFill>
                   <a:schemeClr val="bg1"/>
                 </a:solidFill>
@@ -3618,7 +3618,7 @@
             </a:r>
           </a:p>
           <a:p>
-            <a:endParaRPr lang="en-GB" sz="2000" dirty="0">
+            <a:endParaRPr lang="en-GB" sz="2400" dirty="0">
               <a:solidFill>
                 <a:schemeClr val="bg1"/>
               </a:solidFill>
@@ -3626,7 +3626,7 @@
             </a:endParaRPr>
           </a:p>
           <a:p>
-            <a:endParaRPr lang="en-GB" sz="2000" dirty="0">
+            <a:endParaRPr lang="en-GB" sz="2400" dirty="0">
               <a:solidFill>
                 <a:schemeClr val="bg1"/>
               </a:solidFill>
@@ -3635,7 +3635,7 @@
           </a:p>
           <a:p>
             <a:r>
-              <a:rPr lang="en-GB" sz="2000" dirty="0">
+              <a:rPr lang="en-GB" sz="2400" dirty="0">
                 <a:solidFill>
                   <a:schemeClr val="bg1"/>
                 </a:solidFill>
@@ -3650,7 +3650,7 @@
               <a:buChar char="•"/>
             </a:pPr>
             <a:r>
-              <a:rPr lang="en-GB" sz="2000" dirty="0">
+              <a:rPr lang="en-GB" sz="2400" dirty="0">
                 <a:solidFill>
                   <a:schemeClr val="bg1"/>
                 </a:solidFill>
@@ -3665,7 +3665,7 @@
               <a:buChar char="•"/>
             </a:pPr>
             <a:r>
-              <a:rPr lang="en-GB" sz="2000" dirty="0">
+              <a:rPr lang="en-GB" sz="2400" dirty="0">
                 <a:solidFill>
                   <a:schemeClr val="bg1"/>
                 </a:solidFill>
@@ -3680,7 +3680,7 @@
               <a:buChar char="•"/>
             </a:pPr>
             <a:r>
-              <a:rPr lang="en-GB" sz="2000" dirty="0">
+              <a:rPr lang="en-GB" sz="2400" dirty="0">
                 <a:solidFill>
                   <a:schemeClr val="bg1"/>
                 </a:solidFill>
@@ -3695,7 +3695,7 @@
               <a:buChar char="•"/>
             </a:pPr>
             <a:r>
-              <a:rPr lang="en-GB" sz="2000" dirty="0">
+              <a:rPr lang="en-GB" sz="2400" dirty="0">
                 <a:solidFill>
                   <a:schemeClr val="bg1"/>
                 </a:solidFill>
@@ -4410,6 +4410,169 @@
           </a:p>
         </p:txBody>
       </p:sp>
+      <p:sp>
+        <p:nvSpPr>
+          <p:cNvPr id="2" name="TextBox 1">
+            <a:extLst>
+              <a:ext uri="{FF2B5EF4-FFF2-40B4-BE49-F238E27FC236}">
+                <a16:creationId xmlns:a16="http://schemas.microsoft.com/office/drawing/2014/main" id="{12F31950-74E0-4A72-B6BE-8D07087797A5}"/>
+              </a:ext>
+            </a:extLst>
+          </p:cNvPr>
+          <p:cNvSpPr txBox="1"/>
+          <p:nvPr/>
+        </p:nvSpPr>
+        <p:spPr>
+          <a:xfrm>
+            <a:off x="2968524" y="4212928"/>
+            <a:ext cx="6623929" cy="1846659"/>
+          </a:xfrm>
+          <a:prstGeom prst="rect">
+            <a:avLst/>
+          </a:prstGeom>
+          <a:noFill/>
+        </p:spPr>
+        <p:txBody>
+          <a:bodyPr wrap="none" rtlCol="0">
+            <a:spAutoFit/>
+          </a:bodyPr>
+          <a:lstStyle/>
+          <a:p>
+            <a:pPr marL="285750" indent="-285750">
+              <a:buFont typeface="Arial" panose="020B0604020202020204" pitchFamily="34" charset="0"/>
+              <a:buChar char="•"/>
+            </a:pPr>
+            <a:r>
+              <a:rPr lang="en-GB" sz="2400" dirty="0">
+                <a:latin typeface="Agency FB" panose="020B0503020202020204" pitchFamily="34" charset="0"/>
+              </a:rPr>
+              <a:t>Invasive (Surgical Implant) and Non-Invasive (Surface) sensors</a:t>
+            </a:r>
+          </a:p>
+          <a:p>
+            <a:pPr marL="285750" indent="-285750">
+              <a:buFont typeface="Arial" panose="020B0604020202020204" pitchFamily="34" charset="0"/>
+              <a:buChar char="•"/>
+            </a:pPr>
+            <a:r>
+              <a:rPr lang="en-GB" sz="2400" dirty="0">
+                <a:latin typeface="Agency FB" panose="020B0503020202020204" pitchFamily="34" charset="0"/>
+              </a:rPr>
+              <a:t>Dry and wet sensors</a:t>
+            </a:r>
+          </a:p>
+          <a:p>
+            <a:pPr marL="285750" indent="-285750">
+              <a:buFont typeface="Arial" panose="020B0604020202020204" pitchFamily="34" charset="0"/>
+              <a:buChar char="•"/>
+            </a:pPr>
+            <a:r>
+              <a:rPr lang="en-GB" sz="2400" dirty="0">
+                <a:latin typeface="Agency FB" panose="020B0503020202020204" pitchFamily="34" charset="0"/>
+              </a:rPr>
+              <a:t>ERP’s</a:t>
+            </a:r>
+          </a:p>
+          <a:p>
+            <a:pPr marL="285750" indent="-285750">
+              <a:buFont typeface="Arial" panose="020B0604020202020204" pitchFamily="34" charset="0"/>
+              <a:buChar char="•"/>
+            </a:pPr>
+            <a:r>
+              <a:rPr lang="en-GB" sz="2400" dirty="0">
+                <a:latin typeface="Agency FB" panose="020B0503020202020204" pitchFamily="34" charset="0"/>
+              </a:rPr>
+              <a:t>Brain waveforms</a:t>
+            </a:r>
+          </a:p>
+          <a:p>
+            <a:pPr marL="285750" indent="-285750">
+              <a:buFont typeface="Arial" panose="020B0604020202020204" pitchFamily="34" charset="0"/>
+              <a:buChar char="•"/>
+            </a:pPr>
+            <a:endParaRPr lang="en-GB" dirty="0"/>
+          </a:p>
+        </p:txBody>
+      </p:sp>
+      <p:pic>
+        <p:nvPicPr>
+          <p:cNvPr id="4" name="Picture 3">
+            <a:extLst>
+              <a:ext uri="{FF2B5EF4-FFF2-40B4-BE49-F238E27FC236}">
+                <a16:creationId xmlns:a16="http://schemas.microsoft.com/office/drawing/2014/main" id="{DA75673F-1A13-4E57-AD43-4EAB0318F873}"/>
+              </a:ext>
+            </a:extLst>
+          </p:cNvPr>
+          <p:cNvPicPr>
+            <a:picLocks noChangeAspect="1"/>
+          </p:cNvPicPr>
+          <p:nvPr/>
+        </p:nvPicPr>
+        <p:blipFill>
+          <a:blip r:embed="rId4">
+            <a:duotone>
+              <a:prstClr val="black"/>
+              <a:schemeClr val="accent3">
+                <a:tint val="45000"/>
+                <a:satMod val="400000"/>
+              </a:schemeClr>
+            </a:duotone>
+            <a:extLst>
+              <a:ext uri="{BEBA8EAE-BF5A-486C-A8C5-ECC9F3942E4B}">
+                <a14:imgProps xmlns:a14="http://schemas.microsoft.com/office/drawing/2010/main">
+                  <a14:imgLayer r:embed="rId5">
+                    <a14:imgEffect>
+                      <a14:artisticTexturizer/>
+                    </a14:imgEffect>
+                  </a14:imgLayer>
+                </a14:imgProps>
+              </a:ext>
+            </a:extLst>
+          </a:blip>
+          <a:stretch>
+            <a:fillRect/>
+          </a:stretch>
+        </p:blipFill>
+        <p:spPr>
+          <a:xfrm>
+            <a:off x="9921551" y="4747883"/>
+            <a:ext cx="1998763" cy="1816712"/>
+          </a:xfrm>
+          <a:prstGeom prst="snip2DiagRect">
+            <a:avLst/>
+          </a:prstGeom>
+          <a:solidFill>
+            <a:srgbClr val="FFFFFF">
+              <a:shade val="85000"/>
+            </a:srgbClr>
+          </a:solidFill>
+          <a:ln w="88900" cap="sq">
+            <a:solidFill>
+              <a:srgbClr val="FFFFFF"/>
+            </a:solidFill>
+            <a:miter lim="800000"/>
+          </a:ln>
+          <a:effectLst>
+            <a:outerShdw blurRad="88900" algn="tl" rotWithShape="0">
+              <a:srgbClr val="000000">
+                <a:alpha val="45000"/>
+              </a:srgbClr>
+            </a:outerShdw>
+          </a:effectLst>
+          <a:scene3d>
+            <a:camera prst="orthographicFront"/>
+            <a:lightRig rig="twoPt" dir="t">
+              <a:rot lat="0" lon="0" rev="7200000"/>
+            </a:lightRig>
+          </a:scene3d>
+          <a:sp3d>
+            <a:bevelT w="25400" h="19050"/>
+            <a:contourClr>
+              <a:srgbClr val="FFFFFF"/>
+            </a:contourClr>
+          </a:sp3d>
+        </p:spPr>
+      </p:pic>
     </p:spTree>
     <p:extLst>
       <p:ext uri="{BB962C8B-B14F-4D97-AF65-F5344CB8AC3E}">
@@ -4569,7 +4732,7 @@
           <a:p>
             <a:pPr algn="l"/>
             <a:r>
-              <a:rPr lang="en-GB" sz="4800" b="1">
+              <a:rPr lang="en-GB" sz="4800" b="1" dirty="0">
                 <a:effectLst/>
                 <a:latin typeface="Agency FB" panose="020B0503020202020204" pitchFamily="34" charset="0"/>
                 <a:ea typeface="Calibri" panose="020F0502020204030204" pitchFamily="34" charset="0"/>
@@ -4578,7 +4741,7 @@
               <a:t>What is Electromyography </a:t>
             </a:r>
             <a:br>
-              <a:rPr lang="en-GB" sz="4800" b="1">
+              <a:rPr lang="en-GB" sz="4800" b="1" dirty="0">
                 <a:effectLst/>
                 <a:latin typeface="Agency FB" panose="020B0503020202020204" pitchFamily="34" charset="0"/>
                 <a:ea typeface="Calibri" panose="020F0502020204030204" pitchFamily="34" charset="0"/>
@@ -4586,7 +4749,7 @@
               </a:rPr>
             </a:br>
             <a:r>
-              <a:rPr lang="en-GB" sz="4800" b="1">
+              <a:rPr lang="en-GB" sz="4800" b="1" dirty="0">
                 <a:effectLst/>
                 <a:latin typeface="Agency FB" panose="020B0503020202020204" pitchFamily="34" charset="0"/>
                 <a:ea typeface="Calibri" panose="020F0502020204030204" pitchFamily="34" charset="0"/>
@@ -5111,6 +5274,68 @@
           <a:lstStyle/>
           <a:p>
             <a:endParaRPr lang="en-US" dirty="0"/>
+          </a:p>
+        </p:txBody>
+      </p:sp>
+      <p:sp>
+        <p:nvSpPr>
+          <p:cNvPr id="8" name="TextBox 7">
+            <a:extLst>
+              <a:ext uri="{FF2B5EF4-FFF2-40B4-BE49-F238E27FC236}">
+                <a16:creationId xmlns:a16="http://schemas.microsoft.com/office/drawing/2014/main" id="{308C4D70-6DEC-4B97-9496-E9DD2025FACF}"/>
+              </a:ext>
+            </a:extLst>
+          </p:cNvPr>
+          <p:cNvSpPr txBox="1"/>
+          <p:nvPr/>
+        </p:nvSpPr>
+        <p:spPr>
+          <a:xfrm>
+            <a:off x="2968524" y="4212928"/>
+            <a:ext cx="5598007" cy="1200329"/>
+          </a:xfrm>
+          <a:prstGeom prst="rect">
+            <a:avLst/>
+          </a:prstGeom>
+          <a:noFill/>
+        </p:spPr>
+        <p:txBody>
+          <a:bodyPr wrap="none" rtlCol="0">
+            <a:spAutoFit/>
+          </a:bodyPr>
+          <a:lstStyle/>
+          <a:p>
+            <a:pPr marL="285750" indent="-285750">
+              <a:buFont typeface="Arial" panose="020B0604020202020204" pitchFamily="34" charset="0"/>
+              <a:buChar char="•"/>
+            </a:pPr>
+            <a:r>
+              <a:rPr lang="en-GB" sz="2400" dirty="0">
+                <a:latin typeface="Agency FB" panose="020B0503020202020204" pitchFamily="34" charset="0"/>
+              </a:rPr>
+              <a:t>Invasive (Needle) and Non-Invasive (Surface Sensor)</a:t>
+            </a:r>
+          </a:p>
+          <a:p>
+            <a:pPr marL="285750" indent="-285750">
+              <a:buFont typeface="Arial" panose="020B0604020202020204" pitchFamily="34" charset="0"/>
+              <a:buChar char="•"/>
+            </a:pPr>
+            <a:r>
+              <a:rPr lang="en-GB" sz="2400" dirty="0">
+                <a:latin typeface="Agency FB" panose="020B0503020202020204" pitchFamily="34" charset="0"/>
+              </a:rPr>
+              <a:t>Motor Neurons -&gt; Muscle Fibre -&gt; Surface EMG</a:t>
+            </a:r>
+          </a:p>
+          <a:p>
+            <a:pPr marL="285750" indent="-285750">
+              <a:buFont typeface="Arial" panose="020B0604020202020204" pitchFamily="34" charset="0"/>
+              <a:buChar char="•"/>
+            </a:pPr>
+            <a:endParaRPr lang="en-GB" sz="2400" dirty="0">
+              <a:latin typeface="Agency FB" panose="020B0503020202020204" pitchFamily="34" charset="0"/>
+            </a:endParaRPr>
           </a:p>
         </p:txBody>
       </p:sp>
@@ -5261,7 +5486,7 @@
         </p:nvSpPr>
         <p:spPr>
           <a:xfrm>
-            <a:off x="2590991" y="1680291"/>
+            <a:off x="2590991" y="1030109"/>
             <a:ext cx="7010018" cy="2288225"/>
           </a:xfrm>
         </p:spPr>
@@ -5273,15 +5498,15 @@
           <a:p>
             <a:pPr algn="l"/>
             <a:r>
-              <a:rPr lang="en-GB" sz="7200" b="1">
+              <a:rPr lang="en-GB" sz="4800" b="1" dirty="0">
                 <a:effectLst/>
                 <a:latin typeface="Agency FB" panose="020B0503020202020204" pitchFamily="34" charset="0"/>
                 <a:ea typeface="Calibri" panose="020F0502020204030204" pitchFamily="34" charset="0"/>
                 <a:cs typeface="Times New Roman" panose="02020603050405020304" pitchFamily="18" charset="0"/>
               </a:rPr>
-              <a:t>What is eye-tracking</a:t>
-            </a:r>
-            <a:endParaRPr lang="en-GB" sz="7200" b="1">
+              <a:t>What is Eye-Tracking</a:t>
+            </a:r>
+            <a:endParaRPr lang="en-GB" sz="4800" b="1" dirty="0">
               <a:latin typeface="Agency FB" panose="020B0503020202020204" pitchFamily="34" charset="0"/>
             </a:endParaRPr>
           </a:p>
@@ -5788,6 +6013,54 @@
           <a:lstStyle/>
           <a:p>
             <a:endParaRPr lang="en-US" dirty="0"/>
+          </a:p>
+        </p:txBody>
+      </p:sp>
+      <p:sp>
+        <p:nvSpPr>
+          <p:cNvPr id="10" name="TextBox 9">
+            <a:extLst>
+              <a:ext uri="{FF2B5EF4-FFF2-40B4-BE49-F238E27FC236}">
+                <a16:creationId xmlns:a16="http://schemas.microsoft.com/office/drawing/2014/main" id="{503DED3E-BB51-44C0-8646-52E1A3933298}"/>
+              </a:ext>
+            </a:extLst>
+          </p:cNvPr>
+          <p:cNvSpPr txBox="1"/>
+          <p:nvPr/>
+        </p:nvSpPr>
+        <p:spPr>
+          <a:xfrm>
+            <a:off x="2968524" y="4212928"/>
+            <a:ext cx="7166076" cy="1107996"/>
+          </a:xfrm>
+          <a:prstGeom prst="rect">
+            <a:avLst/>
+          </a:prstGeom>
+          <a:noFill/>
+        </p:spPr>
+        <p:txBody>
+          <a:bodyPr wrap="square" rtlCol="0">
+            <a:spAutoFit/>
+          </a:bodyPr>
+          <a:lstStyle/>
+          <a:p>
+            <a:pPr marL="285750" indent="-285750">
+              <a:buFont typeface="Arial" panose="020B0604020202020204" pitchFamily="34" charset="0"/>
+              <a:buChar char="•"/>
+            </a:pPr>
+            <a:r>
+              <a:rPr lang="en-GB" sz="2400" dirty="0">
+                <a:latin typeface="Agency FB" panose="020B0503020202020204" pitchFamily="34" charset="0"/>
+              </a:rPr>
+              <a:t>Uses infrared light embitters and receivers to calculate the position of your gaze via the reflection in your eyes. </a:t>
+            </a:r>
+          </a:p>
+          <a:p>
+            <a:pPr marL="285750" indent="-285750">
+              <a:buFont typeface="Arial" panose="020B0604020202020204" pitchFamily="34" charset="0"/>
+              <a:buChar char="•"/>
+            </a:pPr>
+            <a:endParaRPr lang="en-GB" dirty="0"/>
           </a:p>
         </p:txBody>
       </p:sp>
@@ -6373,7 +6646,7 @@
         <p:spPr>
           <a:xfrm>
             <a:off x="709045" y="1278883"/>
-            <a:ext cx="6373861" cy="707886"/>
+            <a:ext cx="7584127" cy="2308324"/>
           </a:xfrm>
           <a:prstGeom prst="rect">
             <a:avLst/>
@@ -6391,7 +6664,7 @@
               <a:buChar char="•"/>
             </a:pPr>
             <a:r>
-              <a:rPr lang="en-GB" sz="2000" dirty="0">
+              <a:rPr lang="en-GB" sz="2400" dirty="0">
                 <a:solidFill>
                   <a:schemeClr val="bg1"/>
                 </a:solidFill>
@@ -6406,13 +6679,73 @@
               <a:buChar char="•"/>
             </a:pPr>
             <a:r>
-              <a:rPr lang="en-GB" sz="2000" dirty="0">
+              <a:rPr lang="en-GB" sz="2400" dirty="0">
                 <a:solidFill>
                   <a:schemeClr val="bg1"/>
                 </a:solidFill>
                 <a:latin typeface="Agency FB" panose="020B0503020202020204" pitchFamily="34" charset="0"/>
               </a:rPr>
               <a:t>When combined each method can give context to expand upon the others.</a:t>
+            </a:r>
+          </a:p>
+          <a:p>
+            <a:pPr marL="285750" indent="-285750">
+              <a:buFont typeface="Arial" panose="020B0604020202020204" pitchFamily="34" charset="0"/>
+              <a:buChar char="•"/>
+            </a:pPr>
+            <a:r>
+              <a:rPr lang="en-GB" sz="2400" dirty="0">
+                <a:solidFill>
+                  <a:schemeClr val="bg1"/>
+                </a:solidFill>
+                <a:latin typeface="Agency FB" panose="020B0503020202020204" pitchFamily="34" charset="0"/>
+              </a:rPr>
+              <a:t>Another new method of game control</a:t>
+            </a:r>
+          </a:p>
+          <a:p>
+            <a:pPr marL="742950" lvl="1" indent="-285750">
+              <a:buFont typeface="Arial" panose="020B0604020202020204" pitchFamily="34" charset="0"/>
+              <a:buChar char="•"/>
+            </a:pPr>
+            <a:r>
+              <a:rPr lang="en-GB" sz="2400" dirty="0">
+                <a:solidFill>
+                  <a:schemeClr val="bg1"/>
+                </a:solidFill>
+                <a:latin typeface="Agency FB" panose="020B0503020202020204" pitchFamily="34" charset="0"/>
+              </a:rPr>
+              <a:t>Wii</a:t>
+            </a:r>
+          </a:p>
+          <a:p>
+            <a:pPr marL="742950" lvl="1" indent="-285750">
+              <a:buFont typeface="Arial" panose="020B0604020202020204" pitchFamily="34" charset="0"/>
+              <a:buChar char="•"/>
+            </a:pPr>
+            <a:r>
+              <a:rPr lang="en-GB" sz="2400" dirty="0">
+                <a:solidFill>
+                  <a:schemeClr val="bg1"/>
+                </a:solidFill>
+                <a:latin typeface="Agency FB" panose="020B0503020202020204" pitchFamily="34" charset="0"/>
+              </a:rPr>
+              <a:t>VR</a:t>
+            </a:r>
+          </a:p>
+          <a:p>
+            <a:pPr marL="742950" lvl="1" indent="-285750">
+              <a:buFont typeface="Arial" panose="020B0604020202020204" pitchFamily="34" charset="0"/>
+              <a:buChar char="•"/>
+            </a:pPr>
+            <a:r>
+              <a:rPr lang="en-GB" sz="2400" dirty="0">
+                <a:solidFill>
+                  <a:schemeClr val="bg1"/>
+                </a:solidFill>
+                <a:latin typeface="Agency FB" panose="020B0503020202020204" pitchFamily="34" charset="0"/>
+              </a:rPr>
+              <a:t>AR</a:t>
             </a:r>
           </a:p>
         </p:txBody>
@@ -6583,6 +6916,435 @@
                 <a:latin typeface="Agency FB" panose="020B0503020202020204" pitchFamily="34" charset="0"/>
               </a:rPr>
               <a:t>Focus based EEG games</a:t>
+            </a:r>
+          </a:p>
+        </p:txBody>
+      </p:sp>
+      <p:pic>
+        <p:nvPicPr>
+          <p:cNvPr id="3" name="Picture 2">
+            <a:extLst>
+              <a:ext uri="{FF2B5EF4-FFF2-40B4-BE49-F238E27FC236}">
+                <a16:creationId xmlns:a16="http://schemas.microsoft.com/office/drawing/2014/main" id="{04E1D8CA-98EF-4C11-9579-F5CA9954C683}"/>
+              </a:ext>
+            </a:extLst>
+          </p:cNvPr>
+          <p:cNvPicPr>
+            <a:picLocks noChangeAspect="1"/>
+          </p:cNvPicPr>
+          <p:nvPr/>
+        </p:nvPicPr>
+        <p:blipFill>
+          <a:blip r:embed="rId3"/>
+          <a:stretch>
+            <a:fillRect/>
+          </a:stretch>
+        </p:blipFill>
+        <p:spPr>
+          <a:xfrm>
+            <a:off x="602144" y="3407406"/>
+            <a:ext cx="2659808" cy="2239436"/>
+          </a:xfrm>
+          <a:prstGeom prst="snip2DiagRect">
+            <a:avLst/>
+          </a:prstGeom>
+          <a:solidFill>
+            <a:srgbClr val="FFFFFF">
+              <a:shade val="85000"/>
+            </a:srgbClr>
+          </a:solidFill>
+          <a:ln w="88900" cap="sq">
+            <a:solidFill>
+              <a:srgbClr val="FFFFFF"/>
+            </a:solidFill>
+            <a:miter lim="800000"/>
+          </a:ln>
+          <a:effectLst>
+            <a:outerShdw blurRad="88900" algn="tl" rotWithShape="0">
+              <a:srgbClr val="000000">
+                <a:alpha val="45000"/>
+              </a:srgbClr>
+            </a:outerShdw>
+          </a:effectLst>
+          <a:scene3d>
+            <a:camera prst="orthographicFront"/>
+            <a:lightRig rig="twoPt" dir="t">
+              <a:rot lat="0" lon="0" rev="7200000"/>
+            </a:lightRig>
+          </a:scene3d>
+          <a:sp3d>
+            <a:bevelT w="25400" h="19050"/>
+            <a:contourClr>
+              <a:srgbClr val="FFFFFF"/>
+            </a:contourClr>
+          </a:sp3d>
+        </p:spPr>
+      </p:pic>
+      <p:sp>
+        <p:nvSpPr>
+          <p:cNvPr id="7" name="TextBox 6">
+            <a:extLst>
+              <a:ext uri="{FF2B5EF4-FFF2-40B4-BE49-F238E27FC236}">
+                <a16:creationId xmlns:a16="http://schemas.microsoft.com/office/drawing/2014/main" id="{FEC5BE56-164D-4560-A5AF-2B064B9EBF63}"/>
+              </a:ext>
+            </a:extLst>
+          </p:cNvPr>
+          <p:cNvSpPr txBox="1"/>
+          <p:nvPr/>
+        </p:nvSpPr>
+        <p:spPr>
+          <a:xfrm>
+            <a:off x="5200560" y="5765367"/>
+            <a:ext cx="1790875" cy="215444"/>
+          </a:xfrm>
+          <a:prstGeom prst="rect">
+            <a:avLst/>
+          </a:prstGeom>
+          <a:noFill/>
+        </p:spPr>
+        <p:txBody>
+          <a:bodyPr wrap="none" rtlCol="0">
+            <a:spAutoFit/>
+          </a:bodyPr>
+          <a:lstStyle/>
+          <a:p>
+            <a:pPr algn="ctr"/>
+            <a:r>
+              <a:rPr lang="en-GB" sz="800" dirty="0">
+                <a:solidFill>
+                  <a:schemeClr val="bg1"/>
+                </a:solidFill>
+                <a:latin typeface="Agency FB" panose="020B0503020202020204" pitchFamily="34" charset="0"/>
+              </a:rPr>
+              <a:t>https://ieeexplore.ieee.org/document/7272646</a:t>
+            </a:r>
+          </a:p>
+        </p:txBody>
+      </p:sp>
+      <p:pic>
+        <p:nvPicPr>
+          <p:cNvPr id="6" name="Picture 5">
+            <a:extLst>
+              <a:ext uri="{FF2B5EF4-FFF2-40B4-BE49-F238E27FC236}">
+                <a16:creationId xmlns:a16="http://schemas.microsoft.com/office/drawing/2014/main" id="{C53AF533-F60F-461B-9A5E-74FDC0A7C6FA}"/>
+              </a:ext>
+            </a:extLst>
+          </p:cNvPr>
+          <p:cNvPicPr>
+            <a:picLocks noChangeAspect="1"/>
+          </p:cNvPicPr>
+          <p:nvPr/>
+        </p:nvPicPr>
+        <p:blipFill>
+          <a:blip r:embed="rId4"/>
+          <a:stretch>
+            <a:fillRect/>
+          </a:stretch>
+        </p:blipFill>
+        <p:spPr>
+          <a:xfrm>
+            <a:off x="4423618" y="3117975"/>
+            <a:ext cx="3344762" cy="2239436"/>
+          </a:xfrm>
+          <a:prstGeom prst="snip2DiagRect">
+            <a:avLst/>
+          </a:prstGeom>
+          <a:solidFill>
+            <a:srgbClr val="FFFFFF">
+              <a:shade val="85000"/>
+            </a:srgbClr>
+          </a:solidFill>
+          <a:ln w="88900" cap="sq">
+            <a:solidFill>
+              <a:srgbClr val="FFFFFF"/>
+            </a:solidFill>
+            <a:miter lim="800000"/>
+          </a:ln>
+          <a:effectLst>
+            <a:outerShdw blurRad="88900" algn="tl" rotWithShape="0">
+              <a:srgbClr val="000000">
+                <a:alpha val="45000"/>
+              </a:srgbClr>
+            </a:outerShdw>
+          </a:effectLst>
+          <a:scene3d>
+            <a:camera prst="orthographicFront"/>
+            <a:lightRig rig="twoPt" dir="t">
+              <a:rot lat="0" lon="0" rev="7200000"/>
+            </a:lightRig>
+          </a:scene3d>
+          <a:sp3d>
+            <a:bevelT w="25400" h="19050"/>
+            <a:contourClr>
+              <a:srgbClr val="FFFFFF"/>
+            </a:contourClr>
+          </a:sp3d>
+        </p:spPr>
+      </p:pic>
+      <p:sp>
+        <p:nvSpPr>
+          <p:cNvPr id="10" name="TextBox 9">
+            <a:extLst>
+              <a:ext uri="{FF2B5EF4-FFF2-40B4-BE49-F238E27FC236}">
+                <a16:creationId xmlns:a16="http://schemas.microsoft.com/office/drawing/2014/main" id="{79577F12-D734-4E05-80E1-29019B3DC208}"/>
+              </a:ext>
+            </a:extLst>
+          </p:cNvPr>
+          <p:cNvSpPr txBox="1"/>
+          <p:nvPr/>
+        </p:nvSpPr>
+        <p:spPr>
+          <a:xfrm>
+            <a:off x="4348423" y="5516037"/>
+            <a:ext cx="3495150" cy="261610"/>
+          </a:xfrm>
+          <a:prstGeom prst="rect">
+            <a:avLst/>
+          </a:prstGeom>
+          <a:noFill/>
+        </p:spPr>
+        <p:txBody>
+          <a:bodyPr wrap="square" rtlCol="0">
+            <a:spAutoFit/>
+          </a:bodyPr>
+          <a:lstStyle/>
+          <a:p>
+            <a:pPr algn="ctr"/>
+            <a:r>
+              <a:rPr lang="en-GB" sz="1100" b="1" i="0" dirty="0">
+                <a:solidFill>
+                  <a:schemeClr val="bg1"/>
+                </a:solidFill>
+                <a:effectLst/>
+                <a:latin typeface="Agency FB" panose="020B0503020202020204" pitchFamily="34" charset="0"/>
+              </a:rPr>
+              <a:t>Examining User Experiences through a Multimodal BCI Puzzle Game</a:t>
+            </a:r>
+          </a:p>
+        </p:txBody>
+      </p:sp>
+      <p:sp>
+        <p:nvSpPr>
+          <p:cNvPr id="13" name="TextBox 12">
+            <a:extLst>
+              <a:ext uri="{FF2B5EF4-FFF2-40B4-BE49-F238E27FC236}">
+                <a16:creationId xmlns:a16="http://schemas.microsoft.com/office/drawing/2014/main" id="{5DC33855-633F-4ACE-B010-76EF1B268D2E}"/>
+              </a:ext>
+            </a:extLst>
+          </p:cNvPr>
+          <p:cNvSpPr txBox="1"/>
+          <p:nvPr/>
+        </p:nvSpPr>
+        <p:spPr>
+          <a:xfrm>
+            <a:off x="831724" y="6227990"/>
+            <a:ext cx="2143435" cy="215444"/>
+          </a:xfrm>
+          <a:prstGeom prst="rect">
+            <a:avLst/>
+          </a:prstGeom>
+          <a:noFill/>
+        </p:spPr>
+        <p:txBody>
+          <a:bodyPr wrap="square" rtlCol="0">
+            <a:spAutoFit/>
+          </a:bodyPr>
+          <a:lstStyle/>
+          <a:p>
+            <a:pPr algn="ctr"/>
+            <a:r>
+              <a:rPr lang="en-GB" sz="800" dirty="0">
+                <a:solidFill>
+                  <a:schemeClr val="bg1"/>
+                </a:solidFill>
+                <a:latin typeface="Agency FB" panose="020B0503020202020204" pitchFamily="34" charset="0"/>
+              </a:rPr>
+              <a:t>https://link.springer.com/article/10.1186/1743-0003-9-5</a:t>
+            </a:r>
+          </a:p>
+        </p:txBody>
+      </p:sp>
+      <p:sp>
+        <p:nvSpPr>
+          <p:cNvPr id="14" name="TextBox 13">
+            <a:extLst>
+              <a:ext uri="{FF2B5EF4-FFF2-40B4-BE49-F238E27FC236}">
+                <a16:creationId xmlns:a16="http://schemas.microsoft.com/office/drawing/2014/main" id="{F0FCA496-C8BA-42A9-9F20-79FD5A31A060}"/>
+              </a:ext>
+            </a:extLst>
+          </p:cNvPr>
+          <p:cNvSpPr txBox="1"/>
+          <p:nvPr/>
+        </p:nvSpPr>
+        <p:spPr>
+          <a:xfrm>
+            <a:off x="76625" y="5797581"/>
+            <a:ext cx="3706102" cy="461665"/>
+          </a:xfrm>
+          <a:prstGeom prst="rect">
+            <a:avLst/>
+          </a:prstGeom>
+          <a:noFill/>
+        </p:spPr>
+        <p:txBody>
+          <a:bodyPr wrap="square" rtlCol="0">
+            <a:spAutoFit/>
+          </a:bodyPr>
+          <a:lstStyle/>
+          <a:p>
+            <a:pPr algn="ctr"/>
+            <a:r>
+              <a:rPr lang="en-GB" sz="1200" b="0" i="0" dirty="0">
+                <a:solidFill>
+                  <a:schemeClr val="bg1"/>
+                </a:solidFill>
+                <a:effectLst/>
+                <a:latin typeface="Agency FB" panose="020B0503020202020204" pitchFamily="34" charset="0"/>
+              </a:rPr>
+              <a:t>Gaming control using a wearable and wireless EEG-based brain-computer interface device with novel dry foam-based sensors</a:t>
+            </a:r>
+          </a:p>
+        </p:txBody>
+      </p:sp>
+      <p:pic>
+        <p:nvPicPr>
+          <p:cNvPr id="15" name="Picture 14">
+            <a:extLst>
+              <a:ext uri="{FF2B5EF4-FFF2-40B4-BE49-F238E27FC236}">
+                <a16:creationId xmlns:a16="http://schemas.microsoft.com/office/drawing/2014/main" id="{AC29FF71-BAC4-4B50-9988-C0075BD464D9}"/>
+              </a:ext>
+            </a:extLst>
+          </p:cNvPr>
+          <p:cNvPicPr>
+            <a:picLocks noChangeAspect="1"/>
+          </p:cNvPicPr>
+          <p:nvPr/>
+        </p:nvPicPr>
+        <p:blipFill>
+          <a:blip r:embed="rId5"/>
+          <a:stretch>
+            <a:fillRect/>
+          </a:stretch>
+        </p:blipFill>
+        <p:spPr>
+          <a:xfrm>
+            <a:off x="8583061" y="3407406"/>
+            <a:ext cx="2944644" cy="2239436"/>
+          </a:xfrm>
+          <a:prstGeom prst="snip2DiagRect">
+            <a:avLst/>
+          </a:prstGeom>
+          <a:solidFill>
+            <a:srgbClr val="FFFFFF">
+              <a:shade val="85000"/>
+            </a:srgbClr>
+          </a:solidFill>
+          <a:ln w="88900" cap="sq">
+            <a:solidFill>
+              <a:srgbClr val="FFFFFF"/>
+            </a:solidFill>
+            <a:miter lim="800000"/>
+          </a:ln>
+          <a:effectLst>
+            <a:outerShdw blurRad="88900" algn="tl" rotWithShape="0">
+              <a:srgbClr val="000000">
+                <a:alpha val="45000"/>
+              </a:srgbClr>
+            </a:outerShdw>
+          </a:effectLst>
+          <a:scene3d>
+            <a:camera prst="orthographicFront"/>
+            <a:lightRig rig="twoPt" dir="t">
+              <a:rot lat="0" lon="0" rev="7200000"/>
+            </a:lightRig>
+          </a:scene3d>
+          <a:sp3d>
+            <a:bevelT w="25400" h="19050"/>
+            <a:contourClr>
+              <a:srgbClr val="FFFFFF"/>
+            </a:contourClr>
+          </a:sp3d>
+        </p:spPr>
+      </p:pic>
+      <p:sp>
+        <p:nvSpPr>
+          <p:cNvPr id="18" name="TextBox 17">
+            <a:extLst>
+              <a:ext uri="{FF2B5EF4-FFF2-40B4-BE49-F238E27FC236}">
+                <a16:creationId xmlns:a16="http://schemas.microsoft.com/office/drawing/2014/main" id="{1B4ACCAC-B9AD-45D4-B38B-10C54256C288}"/>
+              </a:ext>
+            </a:extLst>
+          </p:cNvPr>
+          <p:cNvSpPr txBox="1"/>
+          <p:nvPr/>
+        </p:nvSpPr>
+        <p:spPr>
+          <a:xfrm>
+            <a:off x="9034108" y="6227990"/>
+            <a:ext cx="2042547" cy="215444"/>
+          </a:xfrm>
+          <a:prstGeom prst="rect">
+            <a:avLst/>
+          </a:prstGeom>
+          <a:noFill/>
+        </p:spPr>
+        <p:txBody>
+          <a:bodyPr wrap="none" rtlCol="0">
+            <a:spAutoFit/>
+          </a:bodyPr>
+          <a:lstStyle/>
+          <a:p>
+            <a:pPr algn="ctr"/>
+            <a:r>
+              <a:rPr lang="en-GB" sz="800" dirty="0">
+                <a:solidFill>
+                  <a:schemeClr val="bg1"/>
+                </a:solidFill>
+                <a:latin typeface="Agency FB" panose="020B0503020202020204" pitchFamily="34" charset="0"/>
+              </a:rPr>
+              <a:t>https://www.hindawi.com/journals/cpis/2013/598945/</a:t>
+            </a:r>
+          </a:p>
+        </p:txBody>
+      </p:sp>
+      <p:sp>
+        <p:nvSpPr>
+          <p:cNvPr id="19" name="TextBox 18">
+            <a:extLst>
+              <a:ext uri="{FF2B5EF4-FFF2-40B4-BE49-F238E27FC236}">
+                <a16:creationId xmlns:a16="http://schemas.microsoft.com/office/drawing/2014/main" id="{BD33F13C-E5B8-484C-8D57-E467750BCA91}"/>
+              </a:ext>
+            </a:extLst>
+          </p:cNvPr>
+          <p:cNvSpPr txBox="1"/>
+          <p:nvPr/>
+        </p:nvSpPr>
+        <p:spPr>
+          <a:xfrm>
+            <a:off x="7955035" y="5790755"/>
+            <a:ext cx="4200695" cy="461665"/>
+          </a:xfrm>
+          <a:prstGeom prst="rect">
+            <a:avLst/>
+          </a:prstGeom>
+          <a:noFill/>
+        </p:spPr>
+        <p:txBody>
+          <a:bodyPr wrap="square" rtlCol="0">
+            <a:spAutoFit/>
+          </a:bodyPr>
+          <a:lstStyle/>
+          <a:p>
+            <a:pPr algn="ctr"/>
+            <a:r>
+              <a:rPr lang="en-GB" sz="1200" b="1" i="0" dirty="0">
+                <a:solidFill>
+                  <a:schemeClr val="bg1"/>
+                </a:solidFill>
+                <a:effectLst/>
+                <a:latin typeface="Agency FB" panose="020B0503020202020204" pitchFamily="34" charset="0"/>
+              </a:rPr>
+              <a:t>The Development of Body-Powered Prosthetic Hand Controlled by EMG Signals Using DSP Processor with Virtual Prosthesis Implementation</a:t>
             </a:r>
           </a:p>
         </p:txBody>
